--- a/FFPM/FFPM 317.pptx
+++ b/FFPM/FFPM 317.pptx
@@ -7,9 +7,13 @@
   <p:sldIdLst>
     <p:sldId id="256" r:id="rId2"/>
     <p:sldId id="257" r:id="rId3"/>
-    <p:sldId id="258" r:id="rId4"/>
-    <p:sldId id="259" r:id="rId5"/>
-    <p:sldId id="260" r:id="rId6"/>
+    <p:sldId id="261" r:id="rId4"/>
+    <p:sldId id="258" r:id="rId5"/>
+    <p:sldId id="262" r:id="rId6"/>
+    <p:sldId id="259" r:id="rId7"/>
+    <p:sldId id="263" r:id="rId8"/>
+    <p:sldId id="260" r:id="rId9"/>
+    <p:sldId id="264" r:id="rId10"/>
   </p:sldIdLst>
   <p:sldSz cx="9144000" cy="5143500" type="screen16x9"/>
   <p:notesSz cx="6858000" cy="9144000"/>
@@ -108,6 +112,22 @@
       </a:defRPr>
     </a:lvl9pPr>
   </p:defaultTextStyle>
+  <p:extLst>
+    <p:ext uri="{EFAFB233-063F-42B5-8137-9DF3F51BA10A}">
+      <p15:sldGuideLst xmlns:p15="http://schemas.microsoft.com/office/powerpoint/2012/main">
+        <p15:guide id="1" orient="horz" pos="1620">
+          <p15:clr>
+            <a:srgbClr val="A4A3A4"/>
+          </p15:clr>
+        </p15:guide>
+        <p15:guide id="2" pos="2880">
+          <p15:clr>
+            <a:srgbClr val="A4A3A4"/>
+          </p15:clr>
+        </p15:guide>
+      </p15:sldGuideLst>
+    </p:ext>
+  </p:extLst>
 </p:presentation>
 </file>
 
@@ -149,10 +169,9 @@
           <a:lstStyle/>
           <a:p>
             <a:r>
-              <a:rPr lang="fr-FR" smtClean="0"/>
+              <a:rPr lang="fr-FR"/>
               <a:t>Cliquez pour modifier le style du titre</a:t>
             </a:r>
-            <a:endParaRPr lang="fr-FR"/>
           </a:p>
         </p:txBody>
       </p:sp>
@@ -268,10 +287,9 @@
           </a:lstStyle>
           <a:p>
             <a:r>
-              <a:rPr lang="fr-FR" smtClean="0"/>
+              <a:rPr lang="fr-FR"/>
               <a:t>Cliquez pour modifier le style des sous-titres du masque</a:t>
             </a:r>
-            <a:endParaRPr lang="fr-FR"/>
           </a:p>
         </p:txBody>
       </p:sp>
@@ -292,7 +310,7 @@
           <a:p>
             <a:fld id="{B6197C78-E3F1-4D7F-AE51-F834E4A71D3A}" type="datetimeFigureOut">
               <a:rPr lang="fr-FR" smtClean="0"/>
-              <a:t>08/08/2014</a:t>
+              <a:t>05/11/2023</a:t>
             </a:fld>
             <a:endParaRPr lang="fr-FR"/>
           </a:p>
@@ -381,10 +399,9 @@
           <a:lstStyle/>
           <a:p>
             <a:r>
-              <a:rPr lang="fr-FR" smtClean="0"/>
+              <a:rPr lang="fr-FR"/>
               <a:t>Cliquez pour modifier le style du titre</a:t>
             </a:r>
-            <a:endParaRPr lang="fr-FR"/>
           </a:p>
         </p:txBody>
       </p:sp>
@@ -405,38 +422,37 @@
           <a:p>
             <a:pPr lvl="0"/>
             <a:r>
-              <a:rPr lang="fr-FR" smtClean="0"/>
+              <a:rPr lang="fr-FR"/>
               <a:t>Cliquez pour modifier les styles du texte du masque</a:t>
             </a:r>
           </a:p>
           <a:p>
             <a:pPr lvl="1"/>
             <a:r>
-              <a:rPr lang="fr-FR" smtClean="0"/>
+              <a:rPr lang="fr-FR"/>
               <a:t>Deuxième niveau</a:t>
             </a:r>
           </a:p>
           <a:p>
             <a:pPr lvl="2"/>
             <a:r>
-              <a:rPr lang="fr-FR" smtClean="0"/>
+              <a:rPr lang="fr-FR"/>
               <a:t>Troisième niveau</a:t>
             </a:r>
           </a:p>
           <a:p>
             <a:pPr lvl="3"/>
             <a:r>
-              <a:rPr lang="fr-FR" smtClean="0"/>
+              <a:rPr lang="fr-FR"/>
               <a:t>Quatrième niveau</a:t>
             </a:r>
           </a:p>
           <a:p>
             <a:pPr lvl="4"/>
             <a:r>
-              <a:rPr lang="fr-FR" smtClean="0"/>
+              <a:rPr lang="fr-FR"/>
               <a:t>Cinquième niveau</a:t>
             </a:r>
-            <a:endParaRPr lang="fr-FR"/>
           </a:p>
         </p:txBody>
       </p:sp>
@@ -457,7 +473,7 @@
           <a:p>
             <a:fld id="{B6197C78-E3F1-4D7F-AE51-F834E4A71D3A}" type="datetimeFigureOut">
               <a:rPr lang="fr-FR" smtClean="0"/>
-              <a:t>08/08/2014</a:t>
+              <a:t>05/11/2023</a:t>
             </a:fld>
             <a:endParaRPr lang="fr-FR"/>
           </a:p>
@@ -551,10 +567,9 @@
           <a:lstStyle/>
           <a:p>
             <a:r>
-              <a:rPr lang="fr-FR" smtClean="0"/>
+              <a:rPr lang="fr-FR"/>
               <a:t>Cliquez pour modifier le style du titre</a:t>
             </a:r>
-            <a:endParaRPr lang="fr-FR"/>
           </a:p>
         </p:txBody>
       </p:sp>
@@ -580,38 +595,37 @@
           <a:p>
             <a:pPr lvl="0"/>
             <a:r>
-              <a:rPr lang="fr-FR" smtClean="0"/>
+              <a:rPr lang="fr-FR"/>
               <a:t>Cliquez pour modifier les styles du texte du masque</a:t>
             </a:r>
           </a:p>
           <a:p>
             <a:pPr lvl="1"/>
             <a:r>
-              <a:rPr lang="fr-FR" smtClean="0"/>
+              <a:rPr lang="fr-FR"/>
               <a:t>Deuxième niveau</a:t>
             </a:r>
           </a:p>
           <a:p>
             <a:pPr lvl="2"/>
             <a:r>
-              <a:rPr lang="fr-FR" smtClean="0"/>
+              <a:rPr lang="fr-FR"/>
               <a:t>Troisième niveau</a:t>
             </a:r>
           </a:p>
           <a:p>
             <a:pPr lvl="3"/>
             <a:r>
-              <a:rPr lang="fr-FR" smtClean="0"/>
+              <a:rPr lang="fr-FR"/>
               <a:t>Quatrième niveau</a:t>
             </a:r>
           </a:p>
           <a:p>
             <a:pPr lvl="4"/>
             <a:r>
-              <a:rPr lang="fr-FR" smtClean="0"/>
+              <a:rPr lang="fr-FR"/>
               <a:t>Cinquième niveau</a:t>
             </a:r>
-            <a:endParaRPr lang="fr-FR"/>
           </a:p>
         </p:txBody>
       </p:sp>
@@ -632,7 +646,7 @@
           <a:p>
             <a:fld id="{B6197C78-E3F1-4D7F-AE51-F834E4A71D3A}" type="datetimeFigureOut">
               <a:rPr lang="fr-FR" smtClean="0"/>
-              <a:t>08/08/2014</a:t>
+              <a:t>05/11/2023</a:t>
             </a:fld>
             <a:endParaRPr lang="fr-FR"/>
           </a:p>
@@ -721,10 +735,9 @@
           <a:lstStyle/>
           <a:p>
             <a:r>
-              <a:rPr lang="fr-FR" smtClean="0"/>
+              <a:rPr lang="fr-FR"/>
               <a:t>Cliquez pour modifier le style du titre</a:t>
             </a:r>
-            <a:endParaRPr lang="fr-FR"/>
           </a:p>
         </p:txBody>
       </p:sp>
@@ -745,38 +758,37 @@
           <a:p>
             <a:pPr lvl="0"/>
             <a:r>
-              <a:rPr lang="fr-FR" smtClean="0"/>
+              <a:rPr lang="fr-FR"/>
               <a:t>Cliquez pour modifier les styles du texte du masque</a:t>
             </a:r>
           </a:p>
           <a:p>
             <a:pPr lvl="1"/>
             <a:r>
-              <a:rPr lang="fr-FR" smtClean="0"/>
+              <a:rPr lang="fr-FR"/>
               <a:t>Deuxième niveau</a:t>
             </a:r>
           </a:p>
           <a:p>
             <a:pPr lvl="2"/>
             <a:r>
-              <a:rPr lang="fr-FR" smtClean="0"/>
+              <a:rPr lang="fr-FR"/>
               <a:t>Troisième niveau</a:t>
             </a:r>
           </a:p>
           <a:p>
             <a:pPr lvl="3"/>
             <a:r>
-              <a:rPr lang="fr-FR" smtClean="0"/>
+              <a:rPr lang="fr-FR"/>
               <a:t>Quatrième niveau</a:t>
             </a:r>
           </a:p>
           <a:p>
             <a:pPr lvl="4"/>
             <a:r>
-              <a:rPr lang="fr-FR" smtClean="0"/>
+              <a:rPr lang="fr-FR"/>
               <a:t>Cinquième niveau</a:t>
             </a:r>
-            <a:endParaRPr lang="fr-FR"/>
           </a:p>
         </p:txBody>
       </p:sp>
@@ -797,7 +809,7 @@
           <a:p>
             <a:fld id="{B6197C78-E3F1-4D7F-AE51-F834E4A71D3A}" type="datetimeFigureOut">
               <a:rPr lang="fr-FR" smtClean="0"/>
-              <a:t>08/08/2014</a:t>
+              <a:t>05/11/2023</a:t>
             </a:fld>
             <a:endParaRPr lang="fr-FR"/>
           </a:p>
@@ -895,10 +907,9 @@
           </a:lstStyle>
           <a:p>
             <a:r>
-              <a:rPr lang="fr-FR" smtClean="0"/>
+              <a:rPr lang="fr-FR"/>
               <a:t>Cliquez pour modifier le style du titre</a:t>
             </a:r>
-            <a:endParaRPr lang="fr-FR"/>
           </a:p>
         </p:txBody>
       </p:sp>
@@ -1015,7 +1026,7 @@
           <a:p>
             <a:pPr lvl="0"/>
             <a:r>
-              <a:rPr lang="fr-FR" smtClean="0"/>
+              <a:rPr lang="fr-FR"/>
               <a:t>Cliquez pour modifier les styles du texte du masque</a:t>
             </a:r>
           </a:p>
@@ -1038,7 +1049,7 @@
           <a:p>
             <a:fld id="{B6197C78-E3F1-4D7F-AE51-F834E4A71D3A}" type="datetimeFigureOut">
               <a:rPr lang="fr-FR" smtClean="0"/>
-              <a:t>08/08/2014</a:t>
+              <a:t>05/11/2023</a:t>
             </a:fld>
             <a:endParaRPr lang="fr-FR"/>
           </a:p>
@@ -1127,10 +1138,9 @@
           <a:lstStyle/>
           <a:p>
             <a:r>
-              <a:rPr lang="fr-FR" smtClean="0"/>
+              <a:rPr lang="fr-FR"/>
               <a:t>Cliquez pour modifier le style du titre</a:t>
             </a:r>
-            <a:endParaRPr lang="fr-FR"/>
           </a:p>
         </p:txBody>
       </p:sp>
@@ -1184,38 +1194,37 @@
           <a:p>
             <a:pPr lvl="0"/>
             <a:r>
-              <a:rPr lang="fr-FR" smtClean="0"/>
+              <a:rPr lang="fr-FR"/>
               <a:t>Cliquez pour modifier les styles du texte du masque</a:t>
             </a:r>
           </a:p>
           <a:p>
             <a:pPr lvl="1"/>
             <a:r>
-              <a:rPr lang="fr-FR" smtClean="0"/>
+              <a:rPr lang="fr-FR"/>
               <a:t>Deuxième niveau</a:t>
             </a:r>
           </a:p>
           <a:p>
             <a:pPr lvl="2"/>
             <a:r>
-              <a:rPr lang="fr-FR" smtClean="0"/>
+              <a:rPr lang="fr-FR"/>
               <a:t>Troisième niveau</a:t>
             </a:r>
           </a:p>
           <a:p>
             <a:pPr lvl="3"/>
             <a:r>
-              <a:rPr lang="fr-FR" smtClean="0"/>
+              <a:rPr lang="fr-FR"/>
               <a:t>Quatrième niveau</a:t>
             </a:r>
           </a:p>
           <a:p>
             <a:pPr lvl="4"/>
             <a:r>
-              <a:rPr lang="fr-FR" smtClean="0"/>
+              <a:rPr lang="fr-FR"/>
               <a:t>Cinquième niveau</a:t>
             </a:r>
-            <a:endParaRPr lang="fr-FR"/>
           </a:p>
         </p:txBody>
       </p:sp>
@@ -1269,38 +1278,37 @@
           <a:p>
             <a:pPr lvl="0"/>
             <a:r>
-              <a:rPr lang="fr-FR" smtClean="0"/>
+              <a:rPr lang="fr-FR"/>
               <a:t>Cliquez pour modifier les styles du texte du masque</a:t>
             </a:r>
           </a:p>
           <a:p>
             <a:pPr lvl="1"/>
             <a:r>
-              <a:rPr lang="fr-FR" smtClean="0"/>
+              <a:rPr lang="fr-FR"/>
               <a:t>Deuxième niveau</a:t>
             </a:r>
           </a:p>
           <a:p>
             <a:pPr lvl="2"/>
             <a:r>
-              <a:rPr lang="fr-FR" smtClean="0"/>
+              <a:rPr lang="fr-FR"/>
               <a:t>Troisième niveau</a:t>
             </a:r>
           </a:p>
           <a:p>
             <a:pPr lvl="3"/>
             <a:r>
-              <a:rPr lang="fr-FR" smtClean="0"/>
+              <a:rPr lang="fr-FR"/>
               <a:t>Quatrième niveau</a:t>
             </a:r>
           </a:p>
           <a:p>
             <a:pPr lvl="4"/>
             <a:r>
-              <a:rPr lang="fr-FR" smtClean="0"/>
+              <a:rPr lang="fr-FR"/>
               <a:t>Cinquième niveau</a:t>
             </a:r>
-            <a:endParaRPr lang="fr-FR"/>
           </a:p>
         </p:txBody>
       </p:sp>
@@ -1321,7 +1329,7 @@
           <a:p>
             <a:fld id="{B6197C78-E3F1-4D7F-AE51-F834E4A71D3A}" type="datetimeFigureOut">
               <a:rPr lang="fr-FR" smtClean="0"/>
-              <a:t>08/08/2014</a:t>
+              <a:t>05/11/2023</a:t>
             </a:fld>
             <a:endParaRPr lang="fr-FR"/>
           </a:p>
@@ -1419,10 +1427,9 @@
           </a:lstStyle>
           <a:p>
             <a:r>
-              <a:rPr lang="fr-FR" smtClean="0"/>
+              <a:rPr lang="fr-FR"/>
               <a:t>Cliquez pour modifier le style du titre</a:t>
             </a:r>
-            <a:endParaRPr lang="fr-FR"/>
           </a:p>
         </p:txBody>
       </p:sp>
@@ -1485,7 +1492,7 @@
           <a:p>
             <a:pPr lvl="0"/>
             <a:r>
-              <a:rPr lang="fr-FR" smtClean="0"/>
+              <a:rPr lang="fr-FR"/>
               <a:t>Cliquez pour modifier les styles du texte du masque</a:t>
             </a:r>
           </a:p>
@@ -1541,38 +1548,37 @@
           <a:p>
             <a:pPr lvl="0"/>
             <a:r>
-              <a:rPr lang="fr-FR" smtClean="0"/>
+              <a:rPr lang="fr-FR"/>
               <a:t>Cliquez pour modifier les styles du texte du masque</a:t>
             </a:r>
           </a:p>
           <a:p>
             <a:pPr lvl="1"/>
             <a:r>
-              <a:rPr lang="fr-FR" smtClean="0"/>
+              <a:rPr lang="fr-FR"/>
               <a:t>Deuxième niveau</a:t>
             </a:r>
           </a:p>
           <a:p>
             <a:pPr lvl="2"/>
             <a:r>
-              <a:rPr lang="fr-FR" smtClean="0"/>
+              <a:rPr lang="fr-FR"/>
               <a:t>Troisième niveau</a:t>
             </a:r>
           </a:p>
           <a:p>
             <a:pPr lvl="3"/>
             <a:r>
-              <a:rPr lang="fr-FR" smtClean="0"/>
+              <a:rPr lang="fr-FR"/>
               <a:t>Quatrième niveau</a:t>
             </a:r>
           </a:p>
           <a:p>
             <a:pPr lvl="4"/>
             <a:r>
-              <a:rPr lang="fr-FR" smtClean="0"/>
+              <a:rPr lang="fr-FR"/>
               <a:t>Cinquième niveau</a:t>
             </a:r>
-            <a:endParaRPr lang="fr-FR"/>
           </a:p>
         </p:txBody>
       </p:sp>
@@ -1635,7 +1641,7 @@
           <a:p>
             <a:pPr lvl="0"/>
             <a:r>
-              <a:rPr lang="fr-FR" smtClean="0"/>
+              <a:rPr lang="fr-FR"/>
               <a:t>Cliquez pour modifier les styles du texte du masque</a:t>
             </a:r>
           </a:p>
@@ -1691,38 +1697,37 @@
           <a:p>
             <a:pPr lvl="0"/>
             <a:r>
-              <a:rPr lang="fr-FR" smtClean="0"/>
+              <a:rPr lang="fr-FR"/>
               <a:t>Cliquez pour modifier les styles du texte du masque</a:t>
             </a:r>
           </a:p>
           <a:p>
             <a:pPr lvl="1"/>
             <a:r>
-              <a:rPr lang="fr-FR" smtClean="0"/>
+              <a:rPr lang="fr-FR"/>
               <a:t>Deuxième niveau</a:t>
             </a:r>
           </a:p>
           <a:p>
             <a:pPr lvl="2"/>
             <a:r>
-              <a:rPr lang="fr-FR" smtClean="0"/>
+              <a:rPr lang="fr-FR"/>
               <a:t>Troisième niveau</a:t>
             </a:r>
           </a:p>
           <a:p>
             <a:pPr lvl="3"/>
             <a:r>
-              <a:rPr lang="fr-FR" smtClean="0"/>
+              <a:rPr lang="fr-FR"/>
               <a:t>Quatrième niveau</a:t>
             </a:r>
           </a:p>
           <a:p>
             <a:pPr lvl="4"/>
             <a:r>
-              <a:rPr lang="fr-FR" smtClean="0"/>
+              <a:rPr lang="fr-FR"/>
               <a:t>Cinquième niveau</a:t>
             </a:r>
-            <a:endParaRPr lang="fr-FR"/>
           </a:p>
         </p:txBody>
       </p:sp>
@@ -1743,7 +1748,7 @@
           <a:p>
             <a:fld id="{B6197C78-E3F1-4D7F-AE51-F834E4A71D3A}" type="datetimeFigureOut">
               <a:rPr lang="fr-FR" smtClean="0"/>
-              <a:t>08/08/2014</a:t>
+              <a:t>05/11/2023</a:t>
             </a:fld>
             <a:endParaRPr lang="fr-FR"/>
           </a:p>
@@ -1832,10 +1837,9 @@
           <a:lstStyle/>
           <a:p>
             <a:r>
-              <a:rPr lang="fr-FR" smtClean="0"/>
+              <a:rPr lang="fr-FR"/>
               <a:t>Cliquez pour modifier le style du titre</a:t>
             </a:r>
-            <a:endParaRPr lang="fr-FR"/>
           </a:p>
         </p:txBody>
       </p:sp>
@@ -1856,7 +1860,7 @@
           <a:p>
             <a:fld id="{B6197C78-E3F1-4D7F-AE51-F834E4A71D3A}" type="datetimeFigureOut">
               <a:rPr lang="fr-FR" smtClean="0"/>
-              <a:t>08/08/2014</a:t>
+              <a:t>05/11/2023</a:t>
             </a:fld>
             <a:endParaRPr lang="fr-FR"/>
           </a:p>
@@ -1946,7 +1950,7 @@
           <a:p>
             <a:fld id="{B6197C78-E3F1-4D7F-AE51-F834E4A71D3A}" type="datetimeFigureOut">
               <a:rPr lang="fr-FR" smtClean="0"/>
-              <a:t>08/08/2014</a:t>
+              <a:t>05/11/2023</a:t>
             </a:fld>
             <a:endParaRPr lang="fr-FR"/>
           </a:p>
@@ -2044,10 +2048,9 @@
           </a:lstStyle>
           <a:p>
             <a:r>
-              <a:rPr lang="fr-FR" smtClean="0"/>
+              <a:rPr lang="fr-FR"/>
               <a:t>Cliquez pour modifier le style du titre</a:t>
             </a:r>
-            <a:endParaRPr lang="fr-FR"/>
           </a:p>
         </p:txBody>
       </p:sp>
@@ -2101,38 +2104,37 @@
           <a:p>
             <a:pPr lvl="0"/>
             <a:r>
-              <a:rPr lang="fr-FR" smtClean="0"/>
+              <a:rPr lang="fr-FR"/>
               <a:t>Cliquez pour modifier les styles du texte du masque</a:t>
             </a:r>
           </a:p>
           <a:p>
             <a:pPr lvl="1"/>
             <a:r>
-              <a:rPr lang="fr-FR" smtClean="0"/>
+              <a:rPr lang="fr-FR"/>
               <a:t>Deuxième niveau</a:t>
             </a:r>
           </a:p>
           <a:p>
             <a:pPr lvl="2"/>
             <a:r>
-              <a:rPr lang="fr-FR" smtClean="0"/>
+              <a:rPr lang="fr-FR"/>
               <a:t>Troisième niveau</a:t>
             </a:r>
           </a:p>
           <a:p>
             <a:pPr lvl="3"/>
             <a:r>
-              <a:rPr lang="fr-FR" smtClean="0"/>
+              <a:rPr lang="fr-FR"/>
               <a:t>Quatrième niveau</a:t>
             </a:r>
           </a:p>
           <a:p>
             <a:pPr lvl="4"/>
             <a:r>
-              <a:rPr lang="fr-FR" smtClean="0"/>
+              <a:rPr lang="fr-FR"/>
               <a:t>Cinquième niveau</a:t>
             </a:r>
-            <a:endParaRPr lang="fr-FR"/>
           </a:p>
         </p:txBody>
       </p:sp>
@@ -2195,7 +2197,7 @@
           <a:p>
             <a:pPr lvl="0"/>
             <a:r>
-              <a:rPr lang="fr-FR" smtClean="0"/>
+              <a:rPr lang="fr-FR"/>
               <a:t>Cliquez pour modifier les styles du texte du masque</a:t>
             </a:r>
           </a:p>
@@ -2218,7 +2220,7 @@
           <a:p>
             <a:fld id="{B6197C78-E3F1-4D7F-AE51-F834E4A71D3A}" type="datetimeFigureOut">
               <a:rPr lang="fr-FR" smtClean="0"/>
-              <a:t>08/08/2014</a:t>
+              <a:t>05/11/2023</a:t>
             </a:fld>
             <a:endParaRPr lang="fr-FR"/>
           </a:p>
@@ -2316,10 +2318,9 @@
           </a:lstStyle>
           <a:p>
             <a:r>
-              <a:rPr lang="fr-FR" smtClean="0"/>
+              <a:rPr lang="fr-FR"/>
               <a:t>Cliquez pour modifier le style du titre</a:t>
             </a:r>
-            <a:endParaRPr lang="fr-FR"/>
           </a:p>
         </p:txBody>
       </p:sp>
@@ -2443,7 +2444,7 @@
           <a:p>
             <a:pPr lvl="0"/>
             <a:r>
-              <a:rPr lang="fr-FR" smtClean="0"/>
+              <a:rPr lang="fr-FR"/>
               <a:t>Cliquez pour modifier les styles du texte du masque</a:t>
             </a:r>
           </a:p>
@@ -2466,7 +2467,7 @@
           <a:p>
             <a:fld id="{B6197C78-E3F1-4D7F-AE51-F834E4A71D3A}" type="datetimeFigureOut">
               <a:rPr lang="fr-FR" smtClean="0"/>
-              <a:t>08/08/2014</a:t>
+              <a:t>05/11/2023</a:t>
             </a:fld>
             <a:endParaRPr lang="fr-FR"/>
           </a:p>
@@ -2570,10 +2571,9 @@
           <a:lstStyle/>
           <a:p>
             <a:r>
-              <a:rPr lang="fr-FR" smtClean="0"/>
+              <a:rPr lang="fr-FR"/>
               <a:t>Cliquez pour modifier le style du titre</a:t>
             </a:r>
-            <a:endParaRPr lang="fr-FR"/>
           </a:p>
         </p:txBody>
       </p:sp>
@@ -2604,38 +2604,37 @@
           <a:p>
             <a:pPr lvl="0"/>
             <a:r>
-              <a:rPr lang="fr-FR" smtClean="0"/>
+              <a:rPr lang="fr-FR"/>
               <a:t>Cliquez pour modifier les styles du texte du masque</a:t>
             </a:r>
           </a:p>
           <a:p>
             <a:pPr lvl="1"/>
             <a:r>
-              <a:rPr lang="fr-FR" smtClean="0"/>
+              <a:rPr lang="fr-FR"/>
               <a:t>Deuxième niveau</a:t>
             </a:r>
           </a:p>
           <a:p>
             <a:pPr lvl="2"/>
             <a:r>
-              <a:rPr lang="fr-FR" smtClean="0"/>
+              <a:rPr lang="fr-FR"/>
               <a:t>Troisième niveau</a:t>
             </a:r>
           </a:p>
           <a:p>
             <a:pPr lvl="3"/>
             <a:r>
-              <a:rPr lang="fr-FR" smtClean="0"/>
+              <a:rPr lang="fr-FR"/>
               <a:t>Quatrième niveau</a:t>
             </a:r>
           </a:p>
           <a:p>
             <a:pPr lvl="4"/>
             <a:r>
-              <a:rPr lang="fr-FR" smtClean="0"/>
+              <a:rPr lang="fr-FR"/>
               <a:t>Cinquième niveau</a:t>
             </a:r>
-            <a:endParaRPr lang="fr-FR"/>
           </a:p>
         </p:txBody>
       </p:sp>
@@ -2674,7 +2673,7 @@
           <a:p>
             <a:fld id="{B6197C78-E3F1-4D7F-AE51-F834E4A71D3A}" type="datetimeFigureOut">
               <a:rPr lang="fr-FR" smtClean="0"/>
-              <a:t>08/08/2014</a:t>
+              <a:t>05/11/2023</a:t>
             </a:fld>
             <a:endParaRPr lang="fr-FR"/>
           </a:p>
@@ -3067,34 +3066,34 @@
           <a:lstStyle/>
           <a:p>
             <a:r>
-              <a:rPr lang="fr-FR" sz="6600" b="1" dirty="0" smtClean="0"/>
+              <a:rPr lang="fr-FR" sz="6600" b="1" dirty="0"/>
               <a:t>317</a:t>
             </a:r>
             <a:br>
-              <a:rPr lang="fr-FR" sz="6600" b="1" dirty="0" smtClean="0"/>
+              <a:rPr lang="fr-FR" sz="6600" b="1" dirty="0"/>
             </a:br>
             <a:r>
-              <a:rPr lang="fr-FR" sz="6600" b="1" dirty="0" smtClean="0"/>
+              <a:rPr lang="fr-FR" sz="6600" b="1" dirty="0"/>
               <a:t> O, </a:t>
             </a:r>
             <a:r>
-              <a:rPr lang="fr-FR" sz="6600" b="1" dirty="0" err="1" smtClean="0"/>
+              <a:rPr lang="fr-FR" sz="6600" b="1" dirty="0" err="1"/>
               <a:t>ry</a:t>
             </a:r>
             <a:r>
-              <a:rPr lang="fr-FR" sz="6600" b="1" dirty="0" smtClean="0"/>
+              <a:rPr lang="fr-FR" sz="6600" b="1" dirty="0"/>
               <a:t> </a:t>
             </a:r>
             <a:r>
-              <a:rPr lang="fr-FR" sz="6600" b="1" dirty="0" err="1" smtClean="0"/>
+              <a:rPr lang="fr-FR" sz="6600" b="1" dirty="0" err="1"/>
               <a:t>Rain’ny</a:t>
             </a:r>
             <a:r>
-              <a:rPr lang="fr-FR" sz="6600" b="1" dirty="0" smtClean="0"/>
+              <a:rPr lang="fr-FR" sz="6600" b="1" dirty="0"/>
               <a:t> </a:t>
             </a:r>
             <a:r>
-              <a:rPr lang="fr-FR" sz="6600" b="1" dirty="0" err="1" smtClean="0"/>
+              <a:rPr lang="fr-FR" sz="6600" b="1" dirty="0" err="1"/>
               <a:t>fahazavana</a:t>
             </a:r>
             <a:endParaRPr lang="fr-FR" sz="6600" b="1" dirty="0"/>
@@ -3149,211 +3148,86 @@
           <a:lstStyle/>
           <a:p>
             <a:r>
-              <a:rPr lang="fr-FR" b="1" dirty="0" smtClean="0"/>
+              <a:rPr lang="fr-FR" sz="6000" b="1" dirty="0"/>
               <a:t>1. O, </a:t>
             </a:r>
             <a:r>
-              <a:rPr lang="fr-FR" b="1" dirty="0" err="1" smtClean="0"/>
+              <a:rPr lang="fr-FR" sz="6000" b="1" dirty="0" err="1"/>
               <a:t>ry</a:t>
             </a:r>
             <a:r>
-              <a:rPr lang="fr-FR" b="1" dirty="0" smtClean="0"/>
+              <a:rPr lang="fr-FR" sz="6000" b="1" dirty="0"/>
               <a:t> </a:t>
             </a:r>
             <a:r>
-              <a:rPr lang="fr-FR" b="1" dirty="0" err="1" smtClean="0"/>
+              <a:rPr lang="fr-FR" sz="6000" b="1" dirty="0" err="1"/>
               <a:t>Rain’ny</a:t>
             </a:r>
             <a:r>
-              <a:rPr lang="fr-FR" b="1" dirty="0" smtClean="0"/>
+              <a:rPr lang="fr-FR" sz="6000" b="1" dirty="0"/>
               <a:t> </a:t>
             </a:r>
             <a:r>
-              <a:rPr lang="fr-FR" b="1" dirty="0" err="1" smtClean="0"/>
+              <a:rPr lang="fr-FR" sz="6000" b="1" dirty="0" err="1"/>
               <a:t>fahazavana</a:t>
             </a:r>
-            <a:r>
-              <a:rPr lang="fr-FR" b="1" dirty="0" smtClean="0"/>
-              <a:t/>
-            </a:r>
             <a:br>
-              <a:rPr lang="fr-FR" b="1" dirty="0" smtClean="0"/>
+              <a:rPr lang="fr-FR" sz="6000" b="1" dirty="0"/>
             </a:br>
             <a:r>
-              <a:rPr lang="fr-FR" b="1" dirty="0" smtClean="0"/>
-              <a:t>          </a:t>
-            </a:r>
-            <a:r>
-              <a:rPr lang="fr-FR" b="1" dirty="0" err="1" smtClean="0"/>
+              <a:rPr lang="fr-FR" sz="6000" b="1" dirty="0" err="1"/>
               <a:t>tsy</a:t>
             </a:r>
             <a:r>
-              <a:rPr lang="fr-FR" b="1" dirty="0" smtClean="0"/>
+              <a:rPr lang="fr-FR" sz="6000" b="1" dirty="0"/>
               <a:t> </a:t>
             </a:r>
             <a:r>
-              <a:rPr lang="fr-FR" b="1" dirty="0" err="1" smtClean="0"/>
+              <a:rPr lang="fr-FR" sz="6000" b="1" dirty="0" err="1"/>
               <a:t>milentika</a:t>
             </a:r>
             <a:r>
-              <a:rPr lang="fr-FR" b="1" dirty="0" smtClean="0"/>
+              <a:rPr lang="fr-FR" sz="6000" b="1" dirty="0"/>
               <a:t> !</a:t>
             </a:r>
             <a:br>
-              <a:rPr lang="fr-FR" b="1" dirty="0" smtClean="0"/>
+              <a:rPr lang="fr-FR" sz="6000" b="1" dirty="0"/>
             </a:br>
             <a:r>
-              <a:rPr lang="fr-FR" b="1" dirty="0" smtClean="0"/>
-              <a:t>   </a:t>
-            </a:r>
-            <a:r>
-              <a:rPr lang="fr-FR" b="1" dirty="0" err="1" smtClean="0"/>
-              <a:t>Avy</a:t>
-            </a:r>
-            <a:r>
-              <a:rPr lang="fr-FR" b="1" dirty="0" smtClean="0"/>
+              <a:rPr lang="fr-FR" sz="6000" b="1" dirty="0"/>
+              <a:t>Avy </a:t>
+            </a:r>
+            <a:r>
+              <a:rPr lang="fr-FR" sz="6000" b="1" dirty="0" err="1"/>
+              <a:t>izahay</a:t>
+            </a:r>
+            <a:r>
+              <a:rPr lang="fr-FR" sz="6000" b="1" dirty="0"/>
               <a:t> </a:t>
             </a:r>
             <a:r>
-              <a:rPr lang="fr-FR" b="1" dirty="0" err="1" smtClean="0"/>
-              <a:t>izahay</a:t>
-            </a:r>
-            <a:r>
-              <a:rPr lang="fr-FR" b="1" dirty="0" smtClean="0"/>
+              <a:rPr lang="fr-FR" sz="6000" b="1" dirty="0" err="1"/>
+              <a:t>mitondra</a:t>
+            </a:r>
+            <a:r>
+              <a:rPr lang="fr-FR" sz="6000" b="1" dirty="0"/>
               <a:t> </a:t>
             </a:r>
             <a:r>
-              <a:rPr lang="fr-FR" b="1" dirty="0" err="1" smtClean="0"/>
-              <a:t>mitondra</a:t>
-            </a:r>
-            <a:r>
-              <a:rPr lang="fr-FR" b="1" dirty="0" smtClean="0"/>
-              <a:t> </a:t>
-            </a:r>
-            <a:r>
-              <a:rPr lang="fr-FR" b="1" dirty="0" err="1" smtClean="0"/>
+              <a:rPr lang="fr-FR" sz="6000" b="1" dirty="0" err="1"/>
               <a:t>ny</a:t>
             </a:r>
-            <a:r>
-              <a:rPr lang="fr-FR" b="1" dirty="0" smtClean="0"/>
-              <a:t/>
-            </a:r>
             <a:br>
-              <a:rPr lang="fr-FR" b="1" dirty="0" smtClean="0"/>
+              <a:rPr lang="fr-FR" sz="6000" b="1" dirty="0"/>
             </a:br>
             <a:r>
-              <a:rPr lang="fr-FR" b="1" dirty="0" smtClean="0"/>
-              <a:t>          </a:t>
-            </a:r>
-            <a:r>
-              <a:rPr lang="fr-FR" b="1" dirty="0" err="1" smtClean="0"/>
+              <a:rPr lang="fr-FR" sz="6000" b="1" dirty="0" err="1"/>
               <a:t>fisaorana</a:t>
             </a:r>
             <a:r>
-              <a:rPr lang="fr-FR" b="1" dirty="0" smtClean="0"/>
+              <a:rPr lang="fr-FR" sz="6000" b="1" dirty="0"/>
               <a:t> ;</a:t>
             </a:r>
-            <a:br>
-              <a:rPr lang="fr-FR" b="1" dirty="0" smtClean="0"/>
-            </a:br>
-            <a:r>
-              <a:rPr lang="fr-FR" b="1" dirty="0" smtClean="0"/>
-              <a:t>   </a:t>
-            </a:r>
-            <a:r>
-              <a:rPr lang="fr-FR" b="1" dirty="0" err="1" smtClean="0"/>
-              <a:t>Aloky</a:t>
-            </a:r>
-            <a:r>
-              <a:rPr lang="fr-FR" b="1" dirty="0" smtClean="0"/>
-              <a:t> </a:t>
-            </a:r>
-            <a:r>
-              <a:rPr lang="fr-FR" b="1" dirty="0" err="1" smtClean="0"/>
-              <a:t>ny</a:t>
-            </a:r>
-            <a:r>
-              <a:rPr lang="fr-FR" b="1" dirty="0" smtClean="0"/>
-              <a:t> </a:t>
-            </a:r>
-            <a:r>
-              <a:rPr lang="fr-FR" b="1" dirty="0" err="1" smtClean="0"/>
-              <a:t>fasanay</a:t>
-            </a:r>
-            <a:r>
-              <a:rPr lang="fr-FR" b="1" dirty="0" smtClean="0"/>
-              <a:t/>
-            </a:r>
-            <a:br>
-              <a:rPr lang="fr-FR" b="1" dirty="0" smtClean="0"/>
-            </a:br>
-            <a:r>
-              <a:rPr lang="fr-FR" b="1" dirty="0" smtClean="0"/>
-              <a:t>          no </a:t>
-            </a:r>
-            <a:r>
-              <a:rPr lang="fr-FR" b="1" dirty="0" err="1" smtClean="0"/>
-              <a:t>nipetrahanay</a:t>
-            </a:r>
-            <a:r>
-              <a:rPr lang="fr-FR" b="1" dirty="0" smtClean="0"/>
-              <a:t>,</a:t>
-            </a:r>
-            <a:br>
-              <a:rPr lang="fr-FR" b="1" dirty="0" smtClean="0"/>
-            </a:br>
-            <a:r>
-              <a:rPr lang="fr-FR" b="1" dirty="0" smtClean="0"/>
-              <a:t>   </a:t>
-            </a:r>
-            <a:r>
-              <a:rPr lang="fr-FR" b="1" dirty="0" err="1" smtClean="0"/>
-              <a:t>Nefa</a:t>
-            </a:r>
-            <a:r>
-              <a:rPr lang="fr-FR" b="1" dirty="0" smtClean="0"/>
-              <a:t> </a:t>
-            </a:r>
-            <a:r>
-              <a:rPr lang="fr-FR" b="1" dirty="0" err="1" smtClean="0"/>
-              <a:t>andro</a:t>
-            </a:r>
-            <a:r>
-              <a:rPr lang="fr-FR" b="1" dirty="0" smtClean="0"/>
-              <a:t> no </a:t>
-            </a:r>
-            <a:r>
-              <a:rPr lang="fr-FR" b="1" dirty="0" err="1" smtClean="0"/>
-              <a:t>nasolonao</a:t>
-            </a:r>
-            <a:r>
-              <a:rPr lang="fr-FR" b="1" dirty="0" smtClean="0"/>
-              <a:t/>
-            </a:r>
-            <a:br>
-              <a:rPr lang="fr-FR" b="1" dirty="0" smtClean="0"/>
-            </a:br>
-            <a:r>
-              <a:rPr lang="fr-FR" b="1" dirty="0" smtClean="0"/>
-              <a:t>           </a:t>
-            </a:r>
-            <a:r>
-              <a:rPr lang="fr-FR" b="1" dirty="0" err="1" smtClean="0"/>
-              <a:t>ny</a:t>
-            </a:r>
-            <a:r>
-              <a:rPr lang="fr-FR" b="1" dirty="0" smtClean="0"/>
-              <a:t> </a:t>
-            </a:r>
-            <a:r>
-              <a:rPr lang="fr-FR" b="1" dirty="0" err="1" smtClean="0"/>
-              <a:t>alinay</a:t>
-            </a:r>
-            <a:r>
-              <a:rPr lang="fr-FR" b="1" dirty="0" smtClean="0"/>
-              <a:t>.</a:t>
-            </a:r>
-            <a:endParaRPr lang="fr-FR" b="1" dirty="0"/>
           </a:p>
         </p:txBody>
       </p:sp>
@@ -3384,244 +3258,120 @@
       </p:grpSpPr>
       <p:sp>
         <p:nvSpPr>
-          <p:cNvPr id="2" name="Titre 1"/>
-          <p:cNvSpPr>
-            <a:spLocks noGrp="1"/>
-          </p:cNvSpPr>
-          <p:nvPr>
-            <p:ph type="ctrTitle"/>
-          </p:nvPr>
+          <p:cNvPr id="5" name="ZoneTexte 4">
+            <a:extLst>
+              <a:ext uri="{FF2B5EF4-FFF2-40B4-BE49-F238E27FC236}">
+                <a16:creationId xmlns:a16="http://schemas.microsoft.com/office/drawing/2014/main" id="{B1E9CD10-9EE6-157F-4F73-F1C5516E5FBE}"/>
+              </a:ext>
+            </a:extLst>
+          </p:cNvPr>
+          <p:cNvSpPr txBox="1"/>
+          <p:nvPr/>
         </p:nvSpPr>
         <p:spPr>
           <a:xfrm>
-            <a:off x="0" y="0"/>
-            <a:ext cx="9144000" cy="5143499"/>
+            <a:off x="0" y="432990"/>
+            <a:ext cx="9144000" cy="4154984"/>
           </a:xfrm>
+          <a:prstGeom prst="rect">
+            <a:avLst/>
+          </a:prstGeom>
+          <a:noFill/>
         </p:spPr>
         <p:txBody>
-          <a:bodyPr>
-            <a:noAutofit/>
+          <a:bodyPr wrap="square">
+            <a:spAutoFit/>
           </a:bodyPr>
           <a:lstStyle/>
           <a:p>
-            <a:r>
-              <a:rPr lang="fr-FR" b="1" dirty="0" smtClean="0"/>
-              <a:t>2. </a:t>
-            </a:r>
-            <a:r>
-              <a:rPr lang="fr-FR" b="1" dirty="0" err="1" smtClean="0"/>
-              <a:t>Enga</a:t>
-            </a:r>
-            <a:r>
-              <a:rPr lang="fr-FR" b="1" dirty="0" smtClean="0"/>
-              <a:t> ka </a:t>
-            </a:r>
-            <a:r>
-              <a:rPr lang="fr-FR" b="1" dirty="0" err="1" smtClean="0"/>
-              <a:t>handroso</a:t>
-            </a:r>
-            <a:r>
-              <a:rPr lang="fr-FR" b="1" dirty="0" smtClean="0"/>
+            <a:pPr algn="ctr"/>
+            <a:r>
+              <a:rPr lang="fr-FR" sz="6600" b="1" dirty="0" err="1"/>
+              <a:t>Aloky</a:t>
+            </a:r>
+            <a:r>
+              <a:rPr lang="fr-FR" sz="6600" b="1" dirty="0"/>
               <a:t> </a:t>
             </a:r>
             <a:r>
-              <a:rPr lang="fr-FR" b="1" dirty="0" err="1" smtClean="0"/>
-              <a:t>tsara</a:t>
-            </a:r>
-            <a:r>
-              <a:rPr lang="fr-FR" b="1" dirty="0" smtClean="0"/>
-              <a:t/>
+              <a:rPr lang="fr-FR" sz="6600" b="1" dirty="0" err="1"/>
+              <a:t>ny</a:t>
+            </a:r>
+            <a:r>
+              <a:rPr lang="fr-FR" sz="6600" b="1" dirty="0"/>
+              <a:t> </a:t>
+            </a:r>
+            <a:r>
+              <a:rPr lang="fr-FR" sz="6600" b="1" dirty="0" err="1"/>
+              <a:t>fasanay</a:t>
             </a:r>
             <a:br>
-              <a:rPr lang="fr-FR" b="1" dirty="0" smtClean="0"/>
+              <a:rPr lang="fr-FR" sz="6600" b="1" dirty="0"/>
             </a:br>
             <a:r>
-              <a:rPr lang="fr-FR" b="1" dirty="0" smtClean="0"/>
+              <a:rPr lang="fr-FR" sz="6600" b="1" dirty="0"/>
+              <a:t>no </a:t>
+            </a:r>
+            <a:r>
+              <a:rPr lang="fr-FR" sz="6600" b="1" dirty="0" err="1"/>
+              <a:t>nipetrahanay</a:t>
+            </a:r>
+            <a:r>
+              <a:rPr lang="fr-FR" sz="6600" b="1" dirty="0"/>
+              <a:t>,</a:t>
+            </a:r>
+          </a:p>
+          <a:p>
+            <a:pPr algn="ctr"/>
+            <a:r>
+              <a:rPr lang="fr-FR" sz="6600" b="1" dirty="0" err="1"/>
+              <a:t>Nefa</a:t>
+            </a:r>
+            <a:r>
+              <a:rPr lang="fr-FR" sz="6600" b="1" dirty="0"/>
               <a:t> </a:t>
             </a:r>
             <a:r>
-              <a:rPr lang="fr-FR" b="1" dirty="0" err="1" smtClean="0"/>
+              <a:rPr lang="fr-FR" sz="6600" b="1" dirty="0" err="1"/>
+              <a:t>andro</a:t>
+            </a:r>
+            <a:r>
+              <a:rPr lang="fr-FR" sz="6600" b="1" dirty="0"/>
+              <a:t> no </a:t>
+            </a:r>
+            <a:r>
+              <a:rPr lang="fr-FR" sz="6600" b="1" dirty="0" err="1"/>
+              <a:t>nasolonao</a:t>
+            </a:r>
+            <a:br>
+              <a:rPr lang="fr-FR" sz="6600" b="1" dirty="0"/>
+            </a:br>
+            <a:r>
+              <a:rPr lang="fr-FR" sz="6600" b="1" dirty="0" err="1"/>
               <a:t>ny</a:t>
             </a:r>
             <a:r>
-              <a:rPr lang="fr-FR" b="1" dirty="0" smtClean="0"/>
+              <a:rPr lang="fr-FR" sz="6600" b="1" dirty="0"/>
               <a:t> </a:t>
             </a:r>
             <a:r>
-              <a:rPr lang="fr-FR" b="1" dirty="0" err="1" smtClean="0"/>
-              <a:t>mazava</a:t>
-            </a:r>
-            <a:r>
-              <a:rPr lang="fr-FR" b="1" dirty="0" smtClean="0"/>
-              <a:t> e,</a:t>
-            </a:r>
-            <a:br>
-              <a:rPr lang="fr-FR" b="1" dirty="0" smtClean="0"/>
-            </a:br>
-            <a:r>
-              <a:rPr lang="fr-FR" b="1" dirty="0" smtClean="0"/>
-              <a:t>   </a:t>
-            </a:r>
-            <a:r>
-              <a:rPr lang="fr-FR" b="1" dirty="0" err="1" smtClean="0"/>
-              <a:t>Mba</a:t>
-            </a:r>
-            <a:r>
-              <a:rPr lang="fr-FR" b="1" dirty="0" smtClean="0"/>
-              <a:t> ho </a:t>
-            </a:r>
-            <a:r>
-              <a:rPr lang="fr-FR" b="1" dirty="0" err="1" smtClean="0"/>
-              <a:t>fantatray</a:t>
-            </a:r>
-            <a:r>
-              <a:rPr lang="fr-FR" b="1" dirty="0" smtClean="0"/>
-              <a:t> </a:t>
-            </a:r>
-            <a:r>
-              <a:rPr lang="fr-FR" b="1" dirty="0" err="1" smtClean="0"/>
-              <a:t>tokoa</a:t>
-            </a:r>
-            <a:r>
-              <a:rPr lang="fr-FR" b="1" dirty="0" smtClean="0"/>
-              <a:t/>
-            </a:r>
-            <a:br>
-              <a:rPr lang="fr-FR" b="1" dirty="0" smtClean="0"/>
-            </a:br>
-            <a:r>
-              <a:rPr lang="fr-FR" b="1" dirty="0" smtClean="0"/>
-              <a:t>    </a:t>
-            </a:r>
-            <a:r>
-              <a:rPr lang="fr-FR" b="1" dirty="0" err="1" smtClean="0"/>
-              <a:t>Ilay</a:t>
-            </a:r>
-            <a:r>
-              <a:rPr lang="fr-FR" b="1" dirty="0" smtClean="0"/>
-              <a:t> </a:t>
-            </a:r>
-            <a:r>
-              <a:rPr lang="fr-FR" b="1" dirty="0" err="1" smtClean="0"/>
-              <a:t>manoa</a:t>
-            </a:r>
-            <a:r>
-              <a:rPr lang="fr-FR" b="1" dirty="0" smtClean="0"/>
-              <a:t> </a:t>
-            </a:r>
-            <a:r>
-              <a:rPr lang="fr-FR" b="1" dirty="0" err="1" smtClean="0"/>
-              <a:t>hoe</a:t>
-            </a:r>
-            <a:r>
-              <a:rPr lang="fr-FR" b="1" dirty="0" smtClean="0"/>
-              <a:t> :</a:t>
-            </a:r>
-            <a:br>
-              <a:rPr lang="fr-FR" b="1" dirty="0" smtClean="0"/>
-            </a:br>
-            <a:r>
-              <a:rPr lang="fr-FR" b="1" dirty="0" smtClean="0"/>
-              <a:t>   « </a:t>
-            </a:r>
-            <a:r>
-              <a:rPr lang="fr-FR" b="1" dirty="0" err="1" smtClean="0"/>
-              <a:t>Izaho</a:t>
-            </a:r>
-            <a:r>
-              <a:rPr lang="fr-FR" b="1" dirty="0" smtClean="0"/>
-              <a:t> no </a:t>
-            </a:r>
-            <a:r>
-              <a:rPr lang="fr-FR" b="1" dirty="0" err="1" smtClean="0"/>
-              <a:t>fahazavan’izao</a:t>
-            </a:r>
-            <a:r>
-              <a:rPr lang="fr-FR" b="1" dirty="0" smtClean="0"/>
-              <a:t/>
-            </a:r>
-            <a:br>
-              <a:rPr lang="fr-FR" b="1" dirty="0" smtClean="0"/>
-            </a:br>
-            <a:r>
-              <a:rPr lang="fr-FR" b="1" dirty="0" smtClean="0"/>
-              <a:t>     </a:t>
-            </a:r>
-            <a:r>
-              <a:rPr lang="fr-FR" b="1" dirty="0" err="1" smtClean="0"/>
-              <a:t>tontolo</a:t>
-            </a:r>
-            <a:r>
-              <a:rPr lang="fr-FR" b="1" dirty="0" smtClean="0"/>
-              <a:t> </a:t>
-            </a:r>
-            <a:r>
-              <a:rPr lang="fr-FR" b="1" dirty="0" err="1" smtClean="0"/>
-              <a:t>izao</a:t>
-            </a:r>
-            <a:r>
-              <a:rPr lang="fr-FR" b="1" dirty="0" smtClean="0"/>
-              <a:t> ».</a:t>
-            </a:r>
-            <a:br>
-              <a:rPr lang="fr-FR" b="1" dirty="0" smtClean="0"/>
-            </a:br>
-            <a:r>
-              <a:rPr lang="fr-FR" b="1" dirty="0" smtClean="0"/>
-              <a:t>   </a:t>
-            </a:r>
-            <a:r>
-              <a:rPr lang="fr-FR" b="1" dirty="0" err="1" smtClean="0"/>
-              <a:t>Hanazava</a:t>
-            </a:r>
-            <a:r>
-              <a:rPr lang="fr-FR" b="1" dirty="0" smtClean="0"/>
-              <a:t> </a:t>
-            </a:r>
-            <a:r>
-              <a:rPr lang="fr-FR" b="1" dirty="0" err="1" smtClean="0"/>
-              <a:t>sy</a:t>
-            </a:r>
-            <a:r>
-              <a:rPr lang="fr-FR" b="1" dirty="0" smtClean="0"/>
-              <a:t> </a:t>
-            </a:r>
-            <a:r>
-              <a:rPr lang="fr-FR" b="1" dirty="0" err="1" smtClean="0"/>
-              <a:t>hanitsy</a:t>
-            </a:r>
-            <a:r>
-              <a:rPr lang="fr-FR" b="1" dirty="0" smtClean="0"/>
-              <a:t/>
-            </a:r>
-            <a:br>
-              <a:rPr lang="fr-FR" b="1" dirty="0" smtClean="0"/>
-            </a:br>
-            <a:r>
-              <a:rPr lang="fr-FR" b="1" dirty="0" smtClean="0"/>
-              <a:t>  </a:t>
-            </a:r>
-            <a:r>
-              <a:rPr lang="fr-FR" b="1" dirty="0" err="1" smtClean="0"/>
-              <a:t>izay</a:t>
-            </a:r>
-            <a:r>
-              <a:rPr lang="fr-FR" b="1" dirty="0" smtClean="0"/>
-              <a:t> </a:t>
-            </a:r>
-            <a:r>
-              <a:rPr lang="fr-FR" b="1" dirty="0" err="1" smtClean="0"/>
-              <a:t>alehanao</a:t>
-            </a:r>
-            <a:r>
-              <a:rPr lang="fr-FR" b="1" dirty="0" smtClean="0"/>
+              <a:rPr lang="fr-FR" sz="6600" b="1" dirty="0" err="1"/>
+              <a:t>alinay</a:t>
+            </a:r>
+            <a:r>
+              <a:rPr lang="fr-FR" sz="6600" b="1" dirty="0"/>
               <a:t>.</a:t>
             </a:r>
-            <a:endParaRPr lang="fr-FR" b="1" dirty="0"/>
+            <a:endParaRPr lang="fr-FR" sz="6600" dirty="0"/>
           </a:p>
         </p:txBody>
       </p:sp>
     </p:spTree>
+    <p:extLst>
+      <p:ext uri="{BB962C8B-B14F-4D97-AF65-F5344CB8AC3E}">
+        <p14:creationId xmlns:p14="http://schemas.microsoft.com/office/powerpoint/2010/main" val="3853135273"/>
+      </p:ext>
+    </p:extLst>
   </p:cSld>
   <p:clrMapOvr>
     <a:masterClrMapping/>
@@ -3658,8 +3408,8 @@
         </p:nvSpPr>
         <p:spPr>
           <a:xfrm>
-            <a:off x="0" y="0"/>
-            <a:ext cx="9144000" cy="5143499"/>
+            <a:off x="107504" y="0"/>
+            <a:ext cx="8892480" cy="5143499"/>
           </a:xfrm>
         </p:spPr>
         <p:txBody>
@@ -3669,211 +3419,98 @@
           <a:lstStyle/>
           <a:p>
             <a:r>
-              <a:rPr lang="fr-FR" b="1" dirty="0" smtClean="0"/>
-              <a:t>3. </a:t>
-            </a:r>
-            <a:r>
-              <a:rPr lang="fr-FR" b="1" dirty="0" err="1" smtClean="0"/>
-              <a:t>Ny</a:t>
-            </a:r>
-            <a:r>
-              <a:rPr lang="fr-FR" b="1" dirty="0" smtClean="0"/>
+              <a:rPr lang="fr-FR" sz="6600" b="1" dirty="0"/>
+              <a:t>2. </a:t>
+            </a:r>
+            <a:r>
+              <a:rPr lang="fr-FR" sz="6600" b="1" dirty="0" err="1"/>
+              <a:t>Enga</a:t>
+            </a:r>
+            <a:r>
+              <a:rPr lang="fr-FR" sz="6600" b="1" dirty="0"/>
+              <a:t> ka </a:t>
+            </a:r>
+            <a:r>
+              <a:rPr lang="fr-FR" sz="6600" b="1" dirty="0" err="1"/>
+              <a:t>handroso</a:t>
+            </a:r>
+            <a:r>
+              <a:rPr lang="fr-FR" sz="6600" b="1" dirty="0"/>
               <a:t> </a:t>
             </a:r>
             <a:r>
-              <a:rPr lang="fr-FR" b="1" dirty="0" err="1" smtClean="0"/>
-              <a:t>Fitarikandron’aina</a:t>
-            </a:r>
-            <a:r>
-              <a:rPr lang="fr-FR" b="1" dirty="0" smtClean="0"/>
-              <a:t/>
+              <a:rPr lang="fr-FR" sz="6600" b="1" dirty="0" err="1"/>
+              <a:t>tsara</a:t>
             </a:r>
             <a:br>
-              <a:rPr lang="fr-FR" b="1" dirty="0" smtClean="0"/>
+              <a:rPr lang="fr-FR" sz="6600" b="1" dirty="0"/>
             </a:br>
             <a:r>
-              <a:rPr lang="fr-FR" b="1" dirty="0" smtClean="0"/>
+              <a:rPr lang="fr-FR" sz="6600" b="1" dirty="0" err="1"/>
+              <a:t>ny</a:t>
+            </a:r>
+            <a:r>
+              <a:rPr lang="fr-FR" sz="6600" b="1" dirty="0"/>
               <a:t> </a:t>
             </a:r>
             <a:r>
-              <a:rPr lang="fr-FR" b="1" dirty="0" err="1" smtClean="0"/>
-              <a:t>efa</a:t>
-            </a:r>
-            <a:r>
-              <a:rPr lang="fr-FR" b="1" dirty="0" smtClean="0"/>
+              <a:rPr lang="fr-FR" sz="6600" b="1" dirty="0" err="1"/>
+              <a:t>mazava</a:t>
+            </a:r>
+            <a:r>
+              <a:rPr lang="fr-FR" sz="6600" b="1" dirty="0"/>
+              <a:t> e,</a:t>
+            </a:r>
+            <a:br>
+              <a:rPr lang="fr-FR" sz="6600" b="1" dirty="0"/>
+            </a:br>
+            <a:r>
+              <a:rPr lang="fr-FR" sz="6600" b="1" dirty="0" err="1"/>
+              <a:t>Mba</a:t>
+            </a:r>
+            <a:r>
+              <a:rPr lang="fr-FR" sz="6600" b="1" dirty="0"/>
+              <a:t> ho </a:t>
+            </a:r>
+            <a:r>
+              <a:rPr lang="fr-FR" sz="6600" b="1" dirty="0" err="1"/>
+              <a:t>fantatray</a:t>
+            </a:r>
+            <a:r>
+              <a:rPr lang="fr-FR" sz="6600" b="1" dirty="0"/>
               <a:t> </a:t>
             </a:r>
             <a:r>
-              <a:rPr lang="fr-FR" b="1" dirty="0" err="1" smtClean="0"/>
-              <a:t>hita</a:t>
-            </a:r>
-            <a:r>
-              <a:rPr lang="fr-FR" b="1" dirty="0" smtClean="0"/>
+              <a:rPr lang="fr-FR" sz="6600" b="1" dirty="0" err="1"/>
+              <a:t>tokoa</a:t>
+            </a:r>
+            <a:br>
+              <a:rPr lang="fr-FR" sz="6600" b="1" dirty="0"/>
+            </a:br>
+            <a:r>
+              <a:rPr lang="fr-FR" sz="6600" b="1" dirty="0" err="1"/>
+              <a:t>Ilay</a:t>
+            </a:r>
+            <a:r>
+              <a:rPr lang="fr-FR" sz="6600" b="1" dirty="0"/>
               <a:t> </a:t>
             </a:r>
             <a:r>
-              <a:rPr lang="fr-FR" b="1" dirty="0" err="1" smtClean="0"/>
-              <a:t>re</a:t>
-            </a:r>
-            <a:r>
-              <a:rPr lang="fr-FR" b="1" dirty="0" smtClean="0"/>
-              <a:t>,</a:t>
-            </a:r>
-            <a:br>
-              <a:rPr lang="fr-FR" b="1" dirty="0" smtClean="0"/>
-            </a:br>
-            <a:r>
-              <a:rPr lang="fr-FR" b="1" dirty="0" smtClean="0"/>
-              <a:t>   </a:t>
-            </a:r>
-            <a:r>
-              <a:rPr lang="fr-FR" b="1" dirty="0" err="1" smtClean="0"/>
-              <a:t>Manazava</a:t>
-            </a:r>
-            <a:r>
-              <a:rPr lang="fr-FR" b="1" dirty="0" smtClean="0"/>
-              <a:t> na </a:t>
-            </a:r>
-            <a:r>
-              <a:rPr lang="fr-FR" b="1" dirty="0" err="1" smtClean="0"/>
-              <a:t>ny</a:t>
-            </a:r>
-            <a:r>
-              <a:rPr lang="fr-FR" b="1" dirty="0" smtClean="0"/>
+              <a:rPr lang="fr-FR" sz="6600" b="1" dirty="0" err="1"/>
+              <a:t>manoa</a:t>
+            </a:r>
+            <a:r>
+              <a:rPr lang="fr-FR" sz="6600" b="1" dirty="0"/>
               <a:t> </a:t>
             </a:r>
             <a:r>
-              <a:rPr lang="fr-FR" b="1" dirty="0" err="1" smtClean="0"/>
-              <a:t>kely</a:t>
-            </a:r>
-            <a:r>
-              <a:rPr lang="fr-FR" b="1" dirty="0" smtClean="0"/>
-              <a:t/>
-            </a:r>
-            <a:br>
-              <a:rPr lang="fr-FR" b="1" dirty="0" smtClean="0"/>
-            </a:br>
-            <a:r>
-              <a:rPr lang="fr-FR" b="1" dirty="0" smtClean="0"/>
-              <a:t>    na </a:t>
-            </a:r>
-            <a:r>
-              <a:rPr lang="fr-FR" b="1" dirty="0" err="1" smtClean="0"/>
-              <a:t>ny</a:t>
-            </a:r>
-            <a:r>
-              <a:rPr lang="fr-FR" b="1" dirty="0" smtClean="0"/>
-              <a:t> </a:t>
-            </a:r>
-            <a:r>
-              <a:rPr lang="fr-FR" b="1" dirty="0" err="1" smtClean="0"/>
-              <a:t>lehibe</a:t>
-            </a:r>
-            <a:r>
-              <a:rPr lang="fr-FR" b="1" dirty="0" smtClean="0"/>
-              <a:t>.</a:t>
-            </a:r>
-            <a:br>
-              <a:rPr lang="fr-FR" b="1" dirty="0" smtClean="0"/>
-            </a:br>
-            <a:r>
-              <a:rPr lang="fr-FR" b="1" dirty="0" smtClean="0"/>
-              <a:t>   </a:t>
-            </a:r>
-            <a:r>
-              <a:rPr lang="fr-FR" b="1" dirty="0" err="1" smtClean="0"/>
-              <a:t>Mahasoa</a:t>
-            </a:r>
-            <a:r>
-              <a:rPr lang="fr-FR" b="1" dirty="0" smtClean="0"/>
-              <a:t>, </a:t>
-            </a:r>
-            <a:r>
-              <a:rPr lang="fr-FR" b="1" dirty="0" err="1" smtClean="0"/>
-              <a:t>mahahendry</a:t>
-            </a:r>
-            <a:r>
-              <a:rPr lang="fr-FR" b="1" dirty="0" smtClean="0"/>
-              <a:t>,</a:t>
-            </a:r>
-            <a:br>
-              <a:rPr lang="fr-FR" b="1" dirty="0" smtClean="0"/>
-            </a:br>
-            <a:r>
-              <a:rPr lang="fr-FR" b="1" dirty="0" smtClean="0"/>
-              <a:t>          </a:t>
-            </a:r>
-            <a:r>
-              <a:rPr lang="fr-FR" b="1" dirty="0" err="1" smtClean="0"/>
-              <a:t>mahasambatra</a:t>
-            </a:r>
-            <a:r>
-              <a:rPr lang="fr-FR" b="1" dirty="0" smtClean="0"/>
-              <a:t>,</a:t>
-            </a:r>
-            <a:br>
-              <a:rPr lang="fr-FR" b="1" dirty="0" smtClean="0"/>
-            </a:br>
-            <a:r>
-              <a:rPr lang="fr-FR" b="1" dirty="0" smtClean="0"/>
-              <a:t>   Ka </a:t>
-            </a:r>
-            <a:r>
-              <a:rPr lang="fr-FR" b="1" dirty="0" err="1" smtClean="0"/>
-              <a:t>akory</a:t>
-            </a:r>
-            <a:r>
-              <a:rPr lang="fr-FR" b="1" dirty="0" smtClean="0"/>
-              <a:t> </a:t>
-            </a:r>
-            <a:r>
-              <a:rPr lang="fr-FR" b="1" dirty="0" err="1" smtClean="0"/>
-              <a:t>re</a:t>
-            </a:r>
-            <a:r>
-              <a:rPr lang="fr-FR" b="1" dirty="0" smtClean="0"/>
-              <a:t> </a:t>
-            </a:r>
-            <a:r>
-              <a:rPr lang="fr-FR" b="1" dirty="0" err="1" smtClean="0"/>
-              <a:t>ny</a:t>
-            </a:r>
-            <a:r>
-              <a:rPr lang="fr-FR" b="1" dirty="0" smtClean="0"/>
-              <a:t> </a:t>
-            </a:r>
-            <a:r>
-              <a:rPr lang="fr-FR" b="1" dirty="0" err="1" smtClean="0"/>
-              <a:t>andro</a:t>
-            </a:r>
-            <a:r>
-              <a:rPr lang="fr-FR" b="1" dirty="0" smtClean="0"/>
-              <a:t/>
-            </a:r>
-            <a:br>
-              <a:rPr lang="fr-FR" b="1" dirty="0" smtClean="0"/>
-            </a:br>
-            <a:r>
-              <a:rPr lang="fr-FR" b="1" dirty="0" smtClean="0"/>
-              <a:t>         </a:t>
-            </a:r>
-            <a:r>
-              <a:rPr lang="fr-FR" b="1" dirty="0" err="1" smtClean="0"/>
-              <a:t>izay</a:t>
-            </a:r>
-            <a:r>
-              <a:rPr lang="fr-FR" b="1" dirty="0" smtClean="0"/>
-              <a:t> </a:t>
-            </a:r>
-            <a:r>
-              <a:rPr lang="fr-FR" b="1" dirty="0" err="1" smtClean="0"/>
-              <a:t>hiposaka</a:t>
-            </a:r>
-            <a:r>
-              <a:rPr lang="fr-FR" b="1" dirty="0" smtClean="0"/>
-              <a:t> !</a:t>
-            </a:r>
-            <a:endParaRPr lang="fr-FR" b="1" dirty="0"/>
+              <a:rPr lang="fr-FR" sz="6600" b="1" dirty="0" err="1"/>
+              <a:t>hoe</a:t>
+            </a:r>
+            <a:r>
+              <a:rPr lang="fr-FR" sz="6600" b="1" dirty="0"/>
+              <a:t> :</a:t>
+            </a:r>
           </a:p>
         </p:txBody>
       </p:sp>
@@ -3904,6 +3541,146 @@
       </p:grpSpPr>
       <p:sp>
         <p:nvSpPr>
+          <p:cNvPr id="5" name="ZoneTexte 4">
+            <a:extLst>
+              <a:ext uri="{FF2B5EF4-FFF2-40B4-BE49-F238E27FC236}">
+                <a16:creationId xmlns:a16="http://schemas.microsoft.com/office/drawing/2014/main" id="{8934FC28-23AE-E327-5ACF-13F5D6085152}"/>
+              </a:ext>
+            </a:extLst>
+          </p:cNvPr>
+          <p:cNvSpPr txBox="1"/>
+          <p:nvPr/>
+        </p:nvSpPr>
+        <p:spPr>
+          <a:xfrm>
+            <a:off x="35496" y="-20538"/>
+            <a:ext cx="9036496" cy="5170646"/>
+          </a:xfrm>
+          <a:prstGeom prst="rect">
+            <a:avLst/>
+          </a:prstGeom>
+          <a:noFill/>
+        </p:spPr>
+        <p:txBody>
+          <a:bodyPr wrap="square">
+            <a:spAutoFit/>
+          </a:bodyPr>
+          <a:lstStyle/>
+          <a:p>
+            <a:pPr algn="ctr"/>
+            <a:r>
+              <a:rPr lang="fr-FR" sz="6600" b="1" dirty="0"/>
+              <a:t>« </a:t>
+            </a:r>
+            <a:r>
+              <a:rPr lang="fr-FR" sz="6600" b="1" dirty="0" err="1"/>
+              <a:t>Izaho</a:t>
+            </a:r>
+            <a:r>
+              <a:rPr lang="fr-FR" sz="6600" b="1" dirty="0"/>
+              <a:t> no </a:t>
+            </a:r>
+            <a:r>
+              <a:rPr lang="fr-FR" sz="6600" b="1" dirty="0" err="1"/>
+              <a:t>fahazavan’izao</a:t>
+            </a:r>
+            <a:br>
+              <a:rPr lang="fr-FR" sz="6600" b="1" dirty="0"/>
+            </a:br>
+            <a:r>
+              <a:rPr lang="fr-FR" sz="6600" b="1" dirty="0" err="1"/>
+              <a:t>tontolo</a:t>
+            </a:r>
+            <a:r>
+              <a:rPr lang="fr-FR" sz="6600" b="1" dirty="0"/>
+              <a:t> </a:t>
+            </a:r>
+            <a:r>
+              <a:rPr lang="fr-FR" sz="6600" b="1" dirty="0" err="1"/>
+              <a:t>izao</a:t>
+            </a:r>
+            <a:r>
+              <a:rPr lang="fr-FR" sz="6600" b="1" dirty="0"/>
+              <a:t> ».</a:t>
+            </a:r>
+            <a:br>
+              <a:rPr lang="fr-FR" sz="6600" b="1" dirty="0"/>
+            </a:br>
+            <a:r>
+              <a:rPr lang="fr-FR" sz="6600" b="1" dirty="0" err="1"/>
+              <a:t>Hanazava</a:t>
+            </a:r>
+            <a:r>
+              <a:rPr lang="fr-FR" sz="6600" b="1" dirty="0"/>
+              <a:t> </a:t>
+            </a:r>
+            <a:r>
+              <a:rPr lang="fr-FR" sz="6600" b="1" dirty="0" err="1"/>
+              <a:t>sy</a:t>
+            </a:r>
+            <a:r>
+              <a:rPr lang="fr-FR" sz="6600" b="1" dirty="0"/>
+              <a:t> </a:t>
+            </a:r>
+            <a:r>
+              <a:rPr lang="fr-FR" sz="6600" b="1" dirty="0" err="1"/>
+              <a:t>hanitsy</a:t>
+            </a:r>
+            <a:br>
+              <a:rPr lang="fr-FR" sz="6600" b="1" dirty="0"/>
+            </a:br>
+            <a:r>
+              <a:rPr lang="fr-FR" sz="6600" b="1" dirty="0" err="1"/>
+              <a:t>izay</a:t>
+            </a:r>
+            <a:r>
+              <a:rPr lang="fr-FR" sz="6600" b="1" dirty="0"/>
+              <a:t> </a:t>
+            </a:r>
+            <a:r>
+              <a:rPr lang="fr-FR" sz="6600" b="1" dirty="0" err="1"/>
+              <a:t>alehanao</a:t>
+            </a:r>
+            <a:r>
+              <a:rPr lang="fr-FR" sz="6600" b="1" dirty="0"/>
+              <a:t>.</a:t>
+            </a:r>
+            <a:endParaRPr lang="fr-FR" sz="6600" dirty="0"/>
+          </a:p>
+        </p:txBody>
+      </p:sp>
+    </p:spTree>
+    <p:extLst>
+      <p:ext uri="{BB962C8B-B14F-4D97-AF65-F5344CB8AC3E}">
+        <p14:creationId xmlns:p14="http://schemas.microsoft.com/office/powerpoint/2010/main" val="883251631"/>
+      </p:ext>
+    </p:extLst>
+  </p:cSld>
+  <p:clrMapOvr>
+    <a:masterClrMapping/>
+  </p:clrMapOvr>
+</p:sld>
+</file>
+
+<file path=ppt/slides/slide6.xml><?xml version="1.0" encoding="utf-8"?>
+<p:sld xmlns:a="http://schemas.openxmlformats.org/drawingml/2006/main" xmlns:r="http://schemas.openxmlformats.org/officeDocument/2006/relationships" xmlns:p="http://schemas.openxmlformats.org/presentationml/2006/main">
+  <p:cSld>
+    <p:spTree>
+      <p:nvGrpSpPr>
+        <p:cNvPr id="1" name=""/>
+        <p:cNvGrpSpPr/>
+        <p:nvPr/>
+      </p:nvGrpSpPr>
+      <p:grpSpPr>
+        <a:xfrm>
+          <a:off x="0" y="0"/>
+          <a:ext cx="0" cy="0"/>
+          <a:chOff x="0" y="0"/>
+          <a:chExt cx="0" cy="0"/>
+        </a:xfrm>
+      </p:grpSpPr>
+      <p:sp>
+        <p:nvSpPr>
           <p:cNvPr id="2" name="Titre 1"/>
           <p:cNvSpPr>
             <a:spLocks noGrp="1"/>
@@ -3925,199 +3702,477 @@
           <a:lstStyle/>
           <a:p>
             <a:r>
-              <a:rPr lang="fr-FR" b="1" dirty="0" smtClean="0"/>
+              <a:rPr lang="fr-FR" sz="6600" b="1" dirty="0"/>
+              <a:t>3. Ny </a:t>
+            </a:r>
+            <a:r>
+              <a:rPr lang="fr-FR" sz="6600" b="1" dirty="0" err="1"/>
+              <a:t>Fitarikandron’aina</a:t>
+            </a:r>
+            <a:br>
+              <a:rPr lang="fr-FR" sz="6600" b="1" dirty="0"/>
+            </a:br>
+            <a:r>
+              <a:rPr lang="fr-FR" sz="6600" b="1" dirty="0" err="1"/>
+              <a:t>efa</a:t>
+            </a:r>
+            <a:r>
+              <a:rPr lang="fr-FR" sz="6600" b="1" dirty="0"/>
+              <a:t> </a:t>
+            </a:r>
+            <a:r>
+              <a:rPr lang="fr-FR" sz="6600" b="1" dirty="0" err="1"/>
+              <a:t>hita</a:t>
+            </a:r>
+            <a:r>
+              <a:rPr lang="fr-FR" sz="6600" b="1" dirty="0"/>
+              <a:t> re,</a:t>
+            </a:r>
+            <a:br>
+              <a:rPr lang="fr-FR" sz="6600" b="1" dirty="0"/>
+            </a:br>
+            <a:r>
+              <a:rPr lang="fr-FR" sz="6600" b="1" dirty="0" err="1"/>
+              <a:t>Manazava</a:t>
+            </a:r>
+            <a:r>
+              <a:rPr lang="fr-FR" sz="6600" b="1" dirty="0"/>
+              <a:t> na </a:t>
+            </a:r>
+            <a:r>
+              <a:rPr lang="fr-FR" sz="6600" b="1" dirty="0" err="1"/>
+              <a:t>ny</a:t>
+            </a:r>
+            <a:r>
+              <a:rPr lang="fr-FR" sz="6600" b="1" dirty="0"/>
+              <a:t> </a:t>
+            </a:r>
+            <a:r>
+              <a:rPr lang="fr-FR" sz="6600" b="1" dirty="0" err="1"/>
+              <a:t>kely</a:t>
+            </a:r>
+            <a:br>
+              <a:rPr lang="fr-FR" sz="6600" b="1" dirty="0"/>
+            </a:br>
+            <a:r>
+              <a:rPr lang="fr-FR" sz="6600" b="1" dirty="0"/>
+              <a:t>na </a:t>
+            </a:r>
+            <a:r>
+              <a:rPr lang="fr-FR" sz="6600" b="1" dirty="0" err="1"/>
+              <a:t>ny</a:t>
+            </a:r>
+            <a:r>
+              <a:rPr lang="fr-FR" sz="6600" b="1" dirty="0"/>
+              <a:t> </a:t>
+            </a:r>
+            <a:r>
+              <a:rPr lang="fr-FR" sz="6600" b="1" dirty="0" err="1"/>
+              <a:t>lehibe</a:t>
+            </a:r>
+            <a:r>
+              <a:rPr lang="fr-FR" sz="6600" b="1" dirty="0"/>
+              <a:t>.</a:t>
+            </a:r>
+          </a:p>
+        </p:txBody>
+      </p:sp>
+    </p:spTree>
+  </p:cSld>
+  <p:clrMapOvr>
+    <a:masterClrMapping/>
+  </p:clrMapOvr>
+</p:sld>
+</file>
+
+<file path=ppt/slides/slide7.xml><?xml version="1.0" encoding="utf-8"?>
+<p:sld xmlns:a="http://schemas.openxmlformats.org/drawingml/2006/main" xmlns:r="http://schemas.openxmlformats.org/officeDocument/2006/relationships" xmlns:p="http://schemas.openxmlformats.org/presentationml/2006/main">
+  <p:cSld>
+    <p:spTree>
+      <p:nvGrpSpPr>
+        <p:cNvPr id="1" name=""/>
+        <p:cNvGrpSpPr/>
+        <p:nvPr/>
+      </p:nvGrpSpPr>
+      <p:grpSpPr>
+        <a:xfrm>
+          <a:off x="0" y="0"/>
+          <a:ext cx="0" cy="0"/>
+          <a:chOff x="0" y="0"/>
+          <a:chExt cx="0" cy="0"/>
+        </a:xfrm>
+      </p:grpSpPr>
+      <p:sp>
+        <p:nvSpPr>
+          <p:cNvPr id="5" name="ZoneTexte 4">
+            <a:extLst>
+              <a:ext uri="{FF2B5EF4-FFF2-40B4-BE49-F238E27FC236}">
+                <a16:creationId xmlns:a16="http://schemas.microsoft.com/office/drawing/2014/main" id="{5BCA6A56-68D4-400E-B2F4-1A1ED2923BA9}"/>
+              </a:ext>
+            </a:extLst>
+          </p:cNvPr>
+          <p:cNvSpPr txBox="1"/>
+          <p:nvPr/>
+        </p:nvSpPr>
+        <p:spPr>
+          <a:xfrm>
+            <a:off x="0" y="360982"/>
+            <a:ext cx="9144000" cy="4154984"/>
+          </a:xfrm>
+          <a:prstGeom prst="rect">
+            <a:avLst/>
+          </a:prstGeom>
+          <a:noFill/>
+        </p:spPr>
+        <p:txBody>
+          <a:bodyPr wrap="square">
+            <a:spAutoFit/>
+          </a:bodyPr>
+          <a:lstStyle/>
+          <a:p>
+            <a:pPr algn="ctr"/>
+            <a:r>
+              <a:rPr lang="fr-FR" sz="6600" b="1" dirty="0" err="1"/>
+              <a:t>Mahasoa</a:t>
+            </a:r>
+            <a:r>
+              <a:rPr lang="fr-FR" sz="6600" b="1" dirty="0"/>
+              <a:t>, </a:t>
+            </a:r>
+            <a:r>
+              <a:rPr lang="fr-FR" sz="6600" b="1" dirty="0" err="1"/>
+              <a:t>mahahendry</a:t>
+            </a:r>
+            <a:r>
+              <a:rPr lang="fr-FR" sz="6600" b="1" dirty="0"/>
+              <a:t>,</a:t>
+            </a:r>
+            <a:br>
+              <a:rPr lang="fr-FR" sz="6600" b="1" dirty="0"/>
+            </a:br>
+            <a:r>
+              <a:rPr lang="fr-FR" sz="6600" b="1" dirty="0" err="1"/>
+              <a:t>mahasambatra</a:t>
+            </a:r>
+            <a:r>
+              <a:rPr lang="fr-FR" sz="6600" b="1" dirty="0"/>
+              <a:t>,</a:t>
+            </a:r>
+            <a:br>
+              <a:rPr lang="fr-FR" sz="6600" b="1" dirty="0"/>
+            </a:br>
+            <a:r>
+              <a:rPr lang="fr-FR" sz="6600" b="1" dirty="0"/>
+              <a:t>Ka </a:t>
+            </a:r>
+            <a:r>
+              <a:rPr lang="fr-FR" sz="6600" b="1" dirty="0" err="1"/>
+              <a:t>akory</a:t>
+            </a:r>
+            <a:r>
+              <a:rPr lang="fr-FR" sz="6600" b="1" dirty="0"/>
+              <a:t> re </a:t>
+            </a:r>
+            <a:r>
+              <a:rPr lang="fr-FR" sz="6600" b="1" dirty="0" err="1"/>
+              <a:t>ny</a:t>
+            </a:r>
+            <a:r>
+              <a:rPr lang="fr-FR" sz="6600" b="1" dirty="0"/>
+              <a:t> </a:t>
+            </a:r>
+            <a:r>
+              <a:rPr lang="fr-FR" sz="6600" b="1" dirty="0" err="1"/>
+              <a:t>andro</a:t>
+            </a:r>
+            <a:br>
+              <a:rPr lang="fr-FR" sz="6600" b="1" dirty="0"/>
+            </a:br>
+            <a:r>
+              <a:rPr lang="fr-FR" sz="6600" b="1" dirty="0" err="1"/>
+              <a:t>izay</a:t>
+            </a:r>
+            <a:r>
+              <a:rPr lang="fr-FR" sz="6600" b="1" dirty="0"/>
+              <a:t> </a:t>
+            </a:r>
+            <a:r>
+              <a:rPr lang="fr-FR" sz="6600" b="1" dirty="0" err="1"/>
+              <a:t>hiposaka</a:t>
+            </a:r>
+            <a:r>
+              <a:rPr lang="fr-FR" sz="6600" b="1" dirty="0"/>
+              <a:t> !</a:t>
+            </a:r>
+            <a:endParaRPr lang="fr-FR" sz="6600" dirty="0"/>
+          </a:p>
+        </p:txBody>
+      </p:sp>
+    </p:spTree>
+    <p:extLst>
+      <p:ext uri="{BB962C8B-B14F-4D97-AF65-F5344CB8AC3E}">
+        <p14:creationId xmlns:p14="http://schemas.microsoft.com/office/powerpoint/2010/main" val="2626888798"/>
+      </p:ext>
+    </p:extLst>
+  </p:cSld>
+  <p:clrMapOvr>
+    <a:masterClrMapping/>
+  </p:clrMapOvr>
+</p:sld>
+</file>
+
+<file path=ppt/slides/slide8.xml><?xml version="1.0" encoding="utf-8"?>
+<p:sld xmlns:a="http://schemas.openxmlformats.org/drawingml/2006/main" xmlns:r="http://schemas.openxmlformats.org/officeDocument/2006/relationships" xmlns:p="http://schemas.openxmlformats.org/presentationml/2006/main">
+  <p:cSld>
+    <p:spTree>
+      <p:nvGrpSpPr>
+        <p:cNvPr id="1" name=""/>
+        <p:cNvGrpSpPr/>
+        <p:nvPr/>
+      </p:nvGrpSpPr>
+      <p:grpSpPr>
+        <a:xfrm>
+          <a:off x="0" y="0"/>
+          <a:ext cx="0" cy="0"/>
+          <a:chOff x="0" y="0"/>
+          <a:chExt cx="0" cy="0"/>
+        </a:xfrm>
+      </p:grpSpPr>
+      <p:sp>
+        <p:nvSpPr>
+          <p:cNvPr id="2" name="Titre 1"/>
+          <p:cNvSpPr>
+            <a:spLocks noGrp="1"/>
+          </p:cNvSpPr>
+          <p:nvPr>
+            <p:ph type="ctrTitle"/>
+          </p:nvPr>
+        </p:nvSpPr>
+        <p:spPr>
+          <a:xfrm>
+            <a:off x="0" y="0"/>
+            <a:ext cx="9144000" cy="5143499"/>
+          </a:xfrm>
+        </p:spPr>
+        <p:txBody>
+          <a:bodyPr>
+            <a:noAutofit/>
+          </a:bodyPr>
+          <a:lstStyle/>
+          <a:p>
+            <a:r>
+              <a:rPr lang="fr-FR" sz="6600" b="1" dirty="0"/>
               <a:t>4. </a:t>
             </a:r>
             <a:r>
-              <a:rPr lang="fr-FR" b="1" dirty="0" err="1" smtClean="0"/>
+              <a:rPr lang="fr-FR" sz="6600" b="1" dirty="0" err="1"/>
               <a:t>Mitsangàna</a:t>
             </a:r>
             <a:r>
-              <a:rPr lang="fr-FR" b="1" dirty="0" smtClean="0"/>
+              <a:rPr lang="fr-FR" sz="6600" b="1" dirty="0"/>
               <a:t>, </a:t>
             </a:r>
             <a:r>
-              <a:rPr lang="fr-FR" b="1" dirty="0" err="1" smtClean="0"/>
+              <a:rPr lang="fr-FR" sz="6600" b="1" dirty="0" err="1"/>
               <a:t>ry</a:t>
             </a:r>
             <a:r>
-              <a:rPr lang="fr-FR" b="1" dirty="0" smtClean="0"/>
+              <a:rPr lang="fr-FR" sz="6600" b="1" dirty="0"/>
               <a:t> </a:t>
             </a:r>
             <a:r>
-              <a:rPr lang="fr-FR" b="1" dirty="0" err="1" smtClean="0"/>
+              <a:rPr lang="fr-FR" sz="6600" b="1" dirty="0" err="1"/>
               <a:t>Ziona</a:t>
             </a:r>
             <a:r>
-              <a:rPr lang="fr-FR" b="1" dirty="0" smtClean="0"/>
+              <a:rPr lang="fr-FR" sz="6600" b="1" dirty="0"/>
               <a:t>,</a:t>
             </a:r>
             <a:br>
-              <a:rPr lang="fr-FR" b="1" dirty="0" smtClean="0"/>
+              <a:rPr lang="fr-FR" sz="6600" b="1" dirty="0"/>
             </a:br>
             <a:r>
-              <a:rPr lang="fr-FR" b="1" dirty="0" smtClean="0"/>
-              <a:t>    ka </a:t>
-            </a:r>
-            <a:r>
-              <a:rPr lang="fr-FR" b="1" dirty="0" err="1" smtClean="0"/>
+              <a:rPr lang="fr-FR" sz="6600" b="1" dirty="0"/>
+              <a:t>ka </a:t>
+            </a:r>
+            <a:r>
+              <a:rPr lang="fr-FR" sz="6600" b="1" dirty="0" err="1"/>
               <a:t>mihazavà</a:t>
             </a:r>
             <a:r>
-              <a:rPr lang="fr-FR" b="1" dirty="0" smtClean="0"/>
+              <a:rPr lang="fr-FR" sz="6600" b="1" dirty="0"/>
               <a:t> !</a:t>
             </a:r>
             <a:br>
-              <a:rPr lang="fr-FR" b="1" dirty="0" smtClean="0"/>
+              <a:rPr lang="fr-FR" sz="6600" b="1" dirty="0"/>
             </a:br>
             <a:r>
-              <a:rPr lang="fr-FR" b="1" dirty="0" smtClean="0"/>
-              <a:t>   </a:t>
-            </a:r>
-            <a:r>
-              <a:rPr lang="fr-FR" b="1" dirty="0" err="1" smtClean="0"/>
+              <a:rPr lang="fr-FR" sz="6600" b="1" dirty="0" err="1"/>
               <a:t>Voninahitry</a:t>
             </a:r>
             <a:r>
-              <a:rPr lang="fr-FR" b="1" dirty="0" smtClean="0"/>
+              <a:rPr lang="fr-FR" sz="6600" b="1" dirty="0"/>
               <a:t> </a:t>
             </a:r>
             <a:r>
-              <a:rPr lang="fr-FR" b="1" dirty="0" err="1" smtClean="0"/>
+              <a:rPr lang="fr-FR" sz="6600" b="1" dirty="0" err="1"/>
               <a:t>ny</a:t>
             </a:r>
             <a:r>
-              <a:rPr lang="fr-FR" b="1" dirty="0" smtClean="0"/>
+              <a:rPr lang="fr-FR" sz="6600" b="1" dirty="0"/>
               <a:t> </a:t>
             </a:r>
             <a:r>
-              <a:rPr lang="fr-FR" b="1" dirty="0" err="1" smtClean="0"/>
+              <a:rPr lang="fr-FR" sz="6600" b="1" dirty="0" err="1"/>
               <a:t>Tompo</a:t>
             </a:r>
-            <a:r>
-              <a:rPr lang="fr-FR" b="1" dirty="0" smtClean="0"/>
-              <a:t/>
-            </a:r>
             <a:br>
-              <a:rPr lang="fr-FR" b="1" dirty="0" smtClean="0"/>
+              <a:rPr lang="fr-FR" sz="6600" b="1" dirty="0"/>
             </a:br>
             <a:r>
-              <a:rPr lang="fr-FR" b="1" dirty="0" smtClean="0"/>
-              <a:t>    no </a:t>
-            </a:r>
-            <a:r>
-              <a:rPr lang="fr-FR" b="1" dirty="0" err="1" smtClean="0"/>
+              <a:rPr lang="fr-FR" sz="6600" b="1" dirty="0"/>
+              <a:t>no </a:t>
+            </a:r>
+            <a:r>
+              <a:rPr lang="fr-FR" sz="6600" b="1" dirty="0" err="1"/>
               <a:t>miposaka</a:t>
             </a:r>
             <a:r>
-              <a:rPr lang="fr-FR" b="1" dirty="0" smtClean="0"/>
+              <a:rPr lang="fr-FR" sz="6600" b="1" dirty="0"/>
               <a:t> ;</a:t>
             </a:r>
+          </a:p>
+        </p:txBody>
+      </p:sp>
+    </p:spTree>
+  </p:cSld>
+  <p:clrMapOvr>
+    <a:masterClrMapping/>
+  </p:clrMapOvr>
+</p:sld>
+</file>
+
+<file path=ppt/slides/slide9.xml><?xml version="1.0" encoding="utf-8"?>
+<p:sld xmlns:a="http://schemas.openxmlformats.org/drawingml/2006/main" xmlns:r="http://schemas.openxmlformats.org/officeDocument/2006/relationships" xmlns:p="http://schemas.openxmlformats.org/presentationml/2006/main">
+  <p:cSld>
+    <p:spTree>
+      <p:nvGrpSpPr>
+        <p:cNvPr id="1" name=""/>
+        <p:cNvGrpSpPr/>
+        <p:nvPr/>
+      </p:nvGrpSpPr>
+      <p:grpSpPr>
+        <a:xfrm>
+          <a:off x="0" y="0"/>
+          <a:ext cx="0" cy="0"/>
+          <a:chOff x="0" y="0"/>
+          <a:chExt cx="0" cy="0"/>
+        </a:xfrm>
+      </p:grpSpPr>
+      <p:sp>
+        <p:nvSpPr>
+          <p:cNvPr id="5" name="ZoneTexte 4">
+            <a:extLst>
+              <a:ext uri="{FF2B5EF4-FFF2-40B4-BE49-F238E27FC236}">
+                <a16:creationId xmlns:a16="http://schemas.microsoft.com/office/drawing/2014/main" id="{A53C1D4B-04BA-F96D-F0E9-62E46A315A8F}"/>
+              </a:ext>
+            </a:extLst>
+          </p:cNvPr>
+          <p:cNvSpPr txBox="1"/>
+          <p:nvPr/>
+        </p:nvSpPr>
+        <p:spPr>
+          <a:xfrm>
+            <a:off x="0" y="207675"/>
+            <a:ext cx="9144000" cy="4524315"/>
+          </a:xfrm>
+          <a:prstGeom prst="rect">
+            <a:avLst/>
+          </a:prstGeom>
+          <a:noFill/>
+        </p:spPr>
+        <p:txBody>
+          <a:bodyPr wrap="square">
+            <a:spAutoFit/>
+          </a:bodyPr>
+          <a:lstStyle/>
+          <a:p>
+            <a:pPr algn="ctr"/>
+            <a:r>
+              <a:rPr lang="fr-FR" sz="7200" b="1" dirty="0" err="1"/>
+              <a:t>Atopazy</a:t>
+            </a:r>
+            <a:r>
+              <a:rPr lang="fr-FR" sz="7200" b="1" dirty="0"/>
+              <a:t> </a:t>
+            </a:r>
+            <a:r>
+              <a:rPr lang="fr-FR" sz="7200" b="1" dirty="0" err="1"/>
+              <a:t>manodidina</a:t>
+            </a:r>
             <a:br>
-              <a:rPr lang="fr-FR" b="1" dirty="0" smtClean="0"/>
+              <a:rPr lang="fr-FR" sz="7200" b="1" dirty="0"/>
             </a:br>
             <a:r>
-              <a:rPr lang="fr-FR" b="1" dirty="0" smtClean="0"/>
-              <a:t>   </a:t>
-            </a:r>
-            <a:r>
-              <a:rPr lang="fr-FR" b="1" dirty="0" err="1" smtClean="0"/>
-              <a:t>Atopazy</a:t>
-            </a:r>
-            <a:r>
-              <a:rPr lang="fr-FR" b="1" dirty="0" smtClean="0"/>
+              <a:rPr lang="fr-FR" sz="7200" b="1" dirty="0" err="1"/>
+              <a:t>ny</a:t>
+            </a:r>
+            <a:r>
+              <a:rPr lang="fr-FR" sz="7200" b="1" dirty="0"/>
               <a:t> </a:t>
             </a:r>
             <a:r>
-              <a:rPr lang="fr-FR" b="1" dirty="0" err="1" smtClean="0"/>
-              <a:t>manodidina</a:t>
-            </a:r>
-            <a:r>
-              <a:rPr lang="fr-FR" b="1" dirty="0" smtClean="0"/>
-              <a:t/>
+              <a:rPr lang="fr-FR" sz="7200" b="1" dirty="0" err="1"/>
+              <a:t>masonao</a:t>
+            </a:r>
+            <a:r>
+              <a:rPr lang="fr-FR" sz="7200" b="1" dirty="0"/>
+              <a:t>.</a:t>
             </a:r>
             <a:br>
-              <a:rPr lang="fr-FR" b="1" dirty="0" smtClean="0"/>
+              <a:rPr lang="fr-FR" sz="7200" b="1" dirty="0"/>
             </a:br>
             <a:r>
-              <a:rPr lang="fr-FR" b="1" dirty="0" smtClean="0"/>
-              <a:t>     </a:t>
-            </a:r>
-            <a:r>
-              <a:rPr lang="fr-FR" b="1" dirty="0" err="1" smtClean="0"/>
-              <a:t>ny</a:t>
-            </a:r>
-            <a:r>
-              <a:rPr lang="fr-FR" b="1" dirty="0" smtClean="0"/>
+              <a:rPr lang="fr-FR" sz="7200" b="1" dirty="0"/>
+              <a:t>Ny </a:t>
+            </a:r>
+            <a:r>
+              <a:rPr lang="fr-FR" sz="7200" b="1" dirty="0" err="1"/>
+              <a:t>haren’ny</a:t>
+            </a:r>
+            <a:r>
+              <a:rPr lang="fr-FR" sz="7200" b="1" dirty="0"/>
               <a:t> </a:t>
             </a:r>
             <a:r>
-              <a:rPr lang="fr-FR" b="1" dirty="0" err="1" smtClean="0"/>
-              <a:t>masonao</a:t>
-            </a:r>
-            <a:r>
-              <a:rPr lang="fr-FR" b="1" dirty="0" smtClean="0"/>
+              <a:rPr lang="fr-FR" sz="7200" b="1" dirty="0" err="1"/>
+              <a:t>firenena</a:t>
+            </a:r>
+            <a:br>
+              <a:rPr lang="fr-FR" sz="7200" b="1" dirty="0"/>
+            </a:br>
+            <a:r>
+              <a:rPr lang="fr-FR" sz="7200" b="1" dirty="0"/>
+              <a:t>tonga </a:t>
+            </a:r>
+            <a:r>
+              <a:rPr lang="fr-FR" sz="7200" b="1" dirty="0" err="1"/>
+              <a:t>aminao</a:t>
+            </a:r>
+            <a:r>
+              <a:rPr lang="fr-FR" sz="7200" b="1" dirty="0"/>
               <a:t>.</a:t>
             </a:r>
-            <a:br>
-              <a:rPr lang="fr-FR" b="1" dirty="0" smtClean="0"/>
-            </a:br>
-            <a:r>
-              <a:rPr lang="fr-FR" b="1" dirty="0" smtClean="0"/>
-              <a:t>   </a:t>
-            </a:r>
-            <a:r>
-              <a:rPr lang="fr-FR" b="1" dirty="0" err="1" smtClean="0"/>
-              <a:t>Ny</a:t>
-            </a:r>
-            <a:r>
-              <a:rPr lang="fr-FR" b="1" dirty="0" smtClean="0"/>
-              <a:t> </a:t>
-            </a:r>
-            <a:r>
-              <a:rPr lang="fr-FR" b="1" dirty="0" err="1" smtClean="0"/>
-              <a:t>haren’ny</a:t>
-            </a:r>
-            <a:r>
-              <a:rPr lang="fr-FR" b="1" dirty="0" smtClean="0"/>
-              <a:t> </a:t>
-            </a:r>
-            <a:r>
-              <a:rPr lang="fr-FR" b="1" dirty="0" err="1" smtClean="0"/>
-              <a:t>firenena</a:t>
-            </a:r>
-            <a:r>
-              <a:rPr lang="fr-FR" b="1" dirty="0" smtClean="0"/>
-              <a:t/>
-            </a:r>
-            <a:br>
-              <a:rPr lang="fr-FR" b="1" dirty="0" smtClean="0"/>
-            </a:br>
-            <a:r>
-              <a:rPr lang="fr-FR" b="1" dirty="0" smtClean="0"/>
-              <a:t>    </a:t>
-            </a:r>
-            <a:r>
-              <a:rPr lang="fr-FR" b="1" dirty="0" err="1" smtClean="0"/>
-              <a:t>tonga</a:t>
-            </a:r>
-            <a:r>
-              <a:rPr lang="fr-FR" b="1" dirty="0" smtClean="0"/>
-              <a:t> </a:t>
-            </a:r>
-            <a:r>
-              <a:rPr lang="fr-FR" b="1" dirty="0" err="1" smtClean="0"/>
-              <a:t>aminao</a:t>
-            </a:r>
-            <a:r>
-              <a:rPr lang="fr-FR" b="1" dirty="0" smtClean="0"/>
-              <a:t>.</a:t>
-            </a:r>
-            <a:endParaRPr lang="fr-FR" b="1" dirty="0"/>
+            <a:endParaRPr lang="fr-FR" sz="7200" dirty="0"/>
           </a:p>
         </p:txBody>
       </p:sp>
     </p:spTree>
+    <p:extLst>
+      <p:ext uri="{BB962C8B-B14F-4D97-AF65-F5344CB8AC3E}">
+        <p14:creationId xmlns:p14="http://schemas.microsoft.com/office/powerpoint/2010/main" val="4081136856"/>
+      </p:ext>
+    </p:extLst>
   </p:cSld>
   <p:clrMapOvr>
     <a:masterClrMapping/>
